--- a/docs/CS Seminar Registration.pptx
+++ b/docs/CS Seminar Registration.pptx
@@ -11,6 +11,13 @@
     <p:sldId id="259" r:id="rId5"/>
     <p:sldId id="258" r:id="rId6"/>
     <p:sldId id="261" r:id="rId7"/>
+    <p:sldId id="262" r:id="rId8"/>
+    <p:sldId id="263" r:id="rId9"/>
+    <p:sldId id="264" r:id="rId10"/>
+    <p:sldId id="265" r:id="rId11"/>
+    <p:sldId id="266" r:id="rId12"/>
+    <p:sldId id="267" r:id="rId13"/>
+    <p:sldId id="268" r:id="rId14"/>
   </p:sldIdLst>
   <p:sldSz cx="12192000" cy="6858000"/>
   <p:notesSz cx="6858000" cy="9144000"/>
@@ -109,6 +116,40 @@
       </a:defRPr>
     </a:lvl9pPr>
   </p:defaultTextStyle>
+  <p:extLst>
+    <p:ext uri="{521415D9-36F7-43E2-AB2F-B90AF26B5E84}">
+      <p14:sectionLst xmlns:p14="http://schemas.microsoft.com/office/powerpoint/2010/main">
+        <p14:section name="Default Section" id="{DC7E8BE1-3CFC-4FBF-8157-F58185C781CA}">
+          <p14:sldIdLst>
+            <p14:sldId id="256"/>
+            <p14:sldId id="257"/>
+            <p14:sldId id="260"/>
+            <p14:sldId id="259"/>
+            <p14:sldId id="258"/>
+            <p14:sldId id="261"/>
+          </p14:sldIdLst>
+        </p14:section>
+        <p14:section name="Demo" id="{57A7B938-D31B-48FC-945B-749F9B4BFBAC}">
+          <p14:sldIdLst>
+            <p14:sldId id="262"/>
+            <p14:sldId id="263"/>
+            <p14:sldId id="264"/>
+            <p14:sldId id="265"/>
+            <p14:sldId id="266"/>
+            <p14:sldId id="267"/>
+          </p14:sldIdLst>
+        </p14:section>
+        <p14:section name="Untitled Section" id="{673173F9-17E2-4266-97C4-345E7BC645D3}">
+          <p14:sldIdLst>
+            <p14:sldId id="268"/>
+          </p14:sldIdLst>
+        </p14:section>
+      </p14:sectionLst>
+    </p:ext>
+    <p:ext uri="{EFAFB233-063F-42B5-8137-9DF3F51BA10A}">
+      <p15:sldGuideLst xmlns:p15="http://schemas.microsoft.com/office/powerpoint/2012/main"/>
+    </p:ext>
+  </p:extLst>
 </p:presentation>
 </file>
 
@@ -3853,6 +3894,317 @@
 </p:sld>
 </file>
 
+<file path=ppt/slides/slide10.xml><?xml version="1.0" encoding="utf-8"?>
+<p:sld xmlns:a="http://schemas.openxmlformats.org/drawingml/2006/main" xmlns:r="http://schemas.openxmlformats.org/officeDocument/2006/relationships" xmlns:p="http://schemas.openxmlformats.org/presentationml/2006/main" show="0">
+  <p:cSld>
+    <p:spTree>
+      <p:nvGrpSpPr>
+        <p:cNvPr id="1" name=""/>
+        <p:cNvGrpSpPr/>
+        <p:nvPr/>
+      </p:nvGrpSpPr>
+      <p:grpSpPr>
+        <a:xfrm>
+          <a:off x="0" y="0"/>
+          <a:ext cx="0" cy="0"/>
+          <a:chOff x="0" y="0"/>
+          <a:chExt cx="0" cy="0"/>
+        </a:xfrm>
+      </p:grpSpPr>
+      <p:sp>
+        <p:nvSpPr>
+          <p:cNvPr id="2" name="Title 1"/>
+          <p:cNvSpPr>
+            <a:spLocks noGrp="1"/>
+          </p:cNvSpPr>
+          <p:nvPr>
+            <p:ph type="title"/>
+          </p:nvPr>
+        </p:nvSpPr>
+        <p:spPr/>
+        <p:txBody>
+          <a:bodyPr/>
+          <a:lstStyle/>
+          <a:p>
+            <a:r>
+              <a:rPr lang="en-US" dirty="0" err="1"/>
+              <a:t>Präsentation</a:t>
+            </a:r>
+            <a:r>
+              <a:rPr lang="en-US" dirty="0"/>
+              <a:t> </a:t>
+            </a:r>
+            <a:r>
+              <a:rPr lang="en-US" dirty="0" err="1"/>
+              <a:t>erstellen</a:t>
+            </a:r>
+            <a:endParaRPr lang="en-US" dirty="0"/>
+          </a:p>
+        </p:txBody>
+      </p:sp>
+      <p:pic>
+        <p:nvPicPr>
+          <p:cNvPr id="4" name="Content Placeholder 3"/>
+          <p:cNvPicPr>
+            <a:picLocks noGrp="1" noChangeAspect="1"/>
+          </p:cNvPicPr>
+          <p:nvPr>
+            <p:ph idx="1"/>
+          </p:nvPr>
+        </p:nvPicPr>
+        <p:blipFill>
+          <a:blip r:embed="rId2"/>
+          <a:stretch>
+            <a:fillRect/>
+          </a:stretch>
+        </p:blipFill>
+        <p:spPr>
+          <a:xfrm>
+            <a:off x="2568118" y="1735392"/>
+            <a:ext cx="7500114" cy="4975139"/>
+          </a:xfrm>
+        </p:spPr>
+      </p:pic>
+    </p:spTree>
+    <p:extLst>
+      <p:ext uri="{BB962C8B-B14F-4D97-AF65-F5344CB8AC3E}">
+        <p14:creationId xmlns:p14="http://schemas.microsoft.com/office/powerpoint/2010/main" val="445582858"/>
+      </p:ext>
+    </p:extLst>
+  </p:cSld>
+  <p:clrMapOvr>
+    <a:masterClrMapping/>
+  </p:clrMapOvr>
+</p:sld>
+</file>
+
+<file path=ppt/slides/slide11.xml><?xml version="1.0" encoding="utf-8"?>
+<p:sld xmlns:a="http://schemas.openxmlformats.org/drawingml/2006/main" xmlns:r="http://schemas.openxmlformats.org/officeDocument/2006/relationships" xmlns:p="http://schemas.openxmlformats.org/presentationml/2006/main" show="0">
+  <p:cSld>
+    <p:spTree>
+      <p:nvGrpSpPr>
+        <p:cNvPr id="1" name=""/>
+        <p:cNvGrpSpPr/>
+        <p:nvPr/>
+      </p:nvGrpSpPr>
+      <p:grpSpPr>
+        <a:xfrm>
+          <a:off x="0" y="0"/>
+          <a:ext cx="0" cy="0"/>
+          <a:chOff x="0" y="0"/>
+          <a:chExt cx="0" cy="0"/>
+        </a:xfrm>
+      </p:grpSpPr>
+      <p:sp>
+        <p:nvSpPr>
+          <p:cNvPr id="2" name="Title 1"/>
+          <p:cNvSpPr>
+            <a:spLocks noGrp="1"/>
+          </p:cNvSpPr>
+          <p:nvPr>
+            <p:ph type="title"/>
+          </p:nvPr>
+        </p:nvSpPr>
+        <p:spPr/>
+        <p:txBody>
+          <a:bodyPr/>
+          <a:lstStyle/>
+          <a:p>
+            <a:r>
+              <a:rPr lang="en-US" dirty="0" err="1"/>
+              <a:t>Übersicht</a:t>
+            </a:r>
+            <a:endParaRPr lang="en-US" dirty="0"/>
+          </a:p>
+        </p:txBody>
+      </p:sp>
+      <p:pic>
+        <p:nvPicPr>
+          <p:cNvPr id="4" name="Content Placeholder 3"/>
+          <p:cNvPicPr>
+            <a:picLocks noGrp="1" noChangeAspect="1"/>
+          </p:cNvPicPr>
+          <p:nvPr>
+            <p:ph idx="1"/>
+          </p:nvPr>
+        </p:nvPicPr>
+        <p:blipFill>
+          <a:blip r:embed="rId2"/>
+          <a:stretch>
+            <a:fillRect/>
+          </a:stretch>
+        </p:blipFill>
+        <p:spPr>
+          <a:xfrm>
+            <a:off x="1934448" y="2286000"/>
+            <a:ext cx="8475503" cy="3581400"/>
+          </a:xfrm>
+        </p:spPr>
+      </p:pic>
+    </p:spTree>
+    <p:extLst>
+      <p:ext uri="{BB962C8B-B14F-4D97-AF65-F5344CB8AC3E}">
+        <p14:creationId xmlns:p14="http://schemas.microsoft.com/office/powerpoint/2010/main" val="925398240"/>
+      </p:ext>
+    </p:extLst>
+  </p:cSld>
+  <p:clrMapOvr>
+    <a:masterClrMapping/>
+  </p:clrMapOvr>
+</p:sld>
+</file>
+
+<file path=ppt/slides/slide12.xml><?xml version="1.0" encoding="utf-8"?>
+<p:sld xmlns:a="http://schemas.openxmlformats.org/drawingml/2006/main" xmlns:r="http://schemas.openxmlformats.org/officeDocument/2006/relationships" xmlns:p="http://schemas.openxmlformats.org/presentationml/2006/main" show="0">
+  <p:cSld>
+    <p:spTree>
+      <p:nvGrpSpPr>
+        <p:cNvPr id="1" name=""/>
+        <p:cNvGrpSpPr/>
+        <p:nvPr/>
+      </p:nvGrpSpPr>
+      <p:grpSpPr>
+        <a:xfrm>
+          <a:off x="0" y="0"/>
+          <a:ext cx="0" cy="0"/>
+          <a:chOff x="0" y="0"/>
+          <a:chExt cx="0" cy="0"/>
+        </a:xfrm>
+      </p:grpSpPr>
+      <p:sp>
+        <p:nvSpPr>
+          <p:cNvPr id="2" name="Title 1"/>
+          <p:cNvSpPr>
+            <a:spLocks noGrp="1"/>
+          </p:cNvSpPr>
+          <p:nvPr>
+            <p:ph type="title"/>
+          </p:nvPr>
+        </p:nvSpPr>
+        <p:spPr/>
+        <p:txBody>
+          <a:bodyPr/>
+          <a:lstStyle/>
+          <a:p>
+            <a:r>
+              <a:rPr lang="en-US" dirty="0" err="1"/>
+              <a:t>Passwort</a:t>
+            </a:r>
+            <a:r>
+              <a:rPr lang="en-US" dirty="0"/>
+              <a:t> Reset</a:t>
+            </a:r>
+          </a:p>
+        </p:txBody>
+      </p:sp>
+      <p:pic>
+        <p:nvPicPr>
+          <p:cNvPr id="4" name="Content Placeholder 3"/>
+          <p:cNvPicPr>
+            <a:picLocks noGrp="1" noChangeAspect="1"/>
+          </p:cNvPicPr>
+          <p:nvPr>
+            <p:ph idx="1"/>
+          </p:nvPr>
+        </p:nvPicPr>
+        <p:blipFill>
+          <a:blip r:embed="rId2"/>
+          <a:stretch>
+            <a:fillRect/>
+          </a:stretch>
+        </p:blipFill>
+        <p:spPr>
+          <a:xfrm>
+            <a:off x="1371600" y="1913285"/>
+            <a:ext cx="10489928" cy="4138469"/>
+          </a:xfrm>
+        </p:spPr>
+      </p:pic>
+    </p:spTree>
+    <p:extLst>
+      <p:ext uri="{BB962C8B-B14F-4D97-AF65-F5344CB8AC3E}">
+        <p14:creationId xmlns:p14="http://schemas.microsoft.com/office/powerpoint/2010/main" val="1976842432"/>
+      </p:ext>
+    </p:extLst>
+  </p:cSld>
+  <p:clrMapOvr>
+    <a:masterClrMapping/>
+  </p:clrMapOvr>
+</p:sld>
+</file>
+
+<file path=ppt/slides/slide13.xml><?xml version="1.0" encoding="utf-8"?>
+<p:sld xmlns:a="http://schemas.openxmlformats.org/drawingml/2006/main" xmlns:r="http://schemas.openxmlformats.org/officeDocument/2006/relationships" xmlns:p="http://schemas.openxmlformats.org/presentationml/2006/main">
+  <p:cSld>
+    <p:spTree>
+      <p:nvGrpSpPr>
+        <p:cNvPr id="1" name=""/>
+        <p:cNvGrpSpPr/>
+        <p:nvPr/>
+      </p:nvGrpSpPr>
+      <p:grpSpPr>
+        <a:xfrm>
+          <a:off x="0" y="0"/>
+          <a:ext cx="0" cy="0"/>
+          <a:chOff x="0" y="0"/>
+          <a:chExt cx="0" cy="0"/>
+        </a:xfrm>
+      </p:grpSpPr>
+      <p:sp>
+        <p:nvSpPr>
+          <p:cNvPr id="2" name="Title 1"/>
+          <p:cNvSpPr>
+            <a:spLocks noGrp="1"/>
+          </p:cNvSpPr>
+          <p:nvPr>
+            <p:ph type="title"/>
+          </p:nvPr>
+        </p:nvSpPr>
+        <p:spPr/>
+        <p:txBody>
+          <a:bodyPr/>
+          <a:lstStyle/>
+          <a:p>
+            <a:r>
+              <a:rPr lang="en-US" dirty="0" err="1"/>
+              <a:t>Fragen</a:t>
+            </a:r>
+            <a:endParaRPr lang="en-US" dirty="0"/>
+          </a:p>
+        </p:txBody>
+      </p:sp>
+      <p:sp>
+        <p:nvSpPr>
+          <p:cNvPr id="3" name="Content Placeholder 2"/>
+          <p:cNvSpPr>
+            <a:spLocks noGrp="1"/>
+          </p:cNvSpPr>
+          <p:nvPr>
+            <p:ph idx="1"/>
+          </p:nvPr>
+        </p:nvSpPr>
+        <p:spPr/>
+        <p:txBody>
+          <a:bodyPr/>
+          <a:lstStyle/>
+          <a:p>
+            <a:endParaRPr lang="en-US"/>
+          </a:p>
+        </p:txBody>
+      </p:sp>
+    </p:spTree>
+    <p:extLst>
+      <p:ext uri="{BB962C8B-B14F-4D97-AF65-F5344CB8AC3E}">
+        <p14:creationId xmlns:p14="http://schemas.microsoft.com/office/powerpoint/2010/main" val="2452784098"/>
+      </p:ext>
+    </p:extLst>
+  </p:cSld>
+  <p:clrMapOvr>
+    <a:masterClrMapping/>
+  </p:clrMapOvr>
+</p:sld>
+</file>
+
 <file path=ppt/slides/slide2.xml><?xml version="1.0" encoding="utf-8"?>
 <p:sld xmlns:a="http://schemas.openxmlformats.org/drawingml/2006/main" xmlns:r="http://schemas.openxmlformats.org/officeDocument/2006/relationships" xmlns:p="http://schemas.openxmlformats.org/presentationml/2006/main">
   <p:cSld>
@@ -4024,6 +4376,16 @@
               <a:t>React I18n</a:t>
             </a:r>
           </a:p>
+          <a:p>
+            <a:r>
+              <a:rPr lang="en-US" dirty="0" err="1"/>
+              <a:t>MySql</a:t>
+            </a:r>
+            <a:r>
+              <a:rPr lang="en-US" dirty="0"/>
+              <a:t> / Maria DB</a:t>
+            </a:r>
+          </a:p>
         </p:txBody>
       </p:sp>
     </p:spTree>
@@ -4273,6 +4635,34 @@
               <a:t>Argon2</a:t>
             </a:r>
           </a:p>
+          <a:p>
+            <a:r>
+              <a:rPr lang="en-US" dirty="0"/>
+              <a:t>Tokens </a:t>
+            </a:r>
+            <a:r>
+              <a:rPr lang="en-US" dirty="0" err="1"/>
+              <a:t>im</a:t>
+            </a:r>
+            <a:r>
+              <a:rPr lang="en-US" dirty="0"/>
+              <a:t> Hash (#token=…)</a:t>
+            </a:r>
+          </a:p>
+          <a:p>
+            <a:r>
+              <a:rPr lang="en-US" dirty="0"/>
+              <a:t>Temp Tokens </a:t>
+            </a:r>
+            <a:r>
+              <a:rPr lang="en-US" dirty="0" err="1"/>
+              <a:t>für</a:t>
+            </a:r>
+            <a:r>
+              <a:rPr lang="en-US" dirty="0"/>
+              <a:t> Files</a:t>
+            </a:r>
+          </a:p>
         </p:txBody>
       </p:sp>
     </p:spTree>
@@ -4354,15 +4744,31 @@
           <a:p>
             <a:r>
               <a:rPr lang="en-US" dirty="0"/>
-              <a:t>File Download </a:t>
-            </a:r>
-            <a:r>
-              <a:rPr lang="en-US" dirty="0">
-                <a:sym typeface="Wingdings" panose="05000000000000000000" pitchFamily="2" charset="2"/>
-              </a:rPr>
-              <a:t></a:t>
-            </a:r>
-            <a:endParaRPr lang="en-US" dirty="0"/>
+              <a:t>Testing </a:t>
+            </a:r>
+            <a:r>
+              <a:rPr lang="en-US" dirty="0" err="1"/>
+              <a:t>für</a:t>
+            </a:r>
+            <a:r>
+              <a:rPr lang="en-US" dirty="0"/>
+              <a:t> </a:t>
+            </a:r>
+            <a:r>
+              <a:rPr lang="en-US" dirty="0" err="1"/>
+              <a:t>Fehler</a:t>
+            </a:r>
+            <a:endParaRPr lang="en-US" dirty="0"/>
+          </a:p>
+          <a:p>
+            <a:r>
+              <a:rPr lang="en-US" dirty="0" err="1"/>
+              <a:t>Besseres</a:t>
+            </a:r>
+            <a:r>
+              <a:rPr lang="en-US" dirty="0"/>
+              <a:t> Logging</a:t>
+            </a:r>
           </a:p>
         </p:txBody>
       </p:sp>
@@ -4370,6 +4776,242 @@
     <p:extLst>
       <p:ext uri="{BB962C8B-B14F-4D97-AF65-F5344CB8AC3E}">
         <p14:creationId xmlns:p14="http://schemas.microsoft.com/office/powerpoint/2010/main" val="1988315661"/>
+      </p:ext>
+    </p:extLst>
+  </p:cSld>
+  <p:clrMapOvr>
+    <a:masterClrMapping/>
+  </p:clrMapOvr>
+</p:sld>
+</file>
+
+<file path=ppt/slides/slide7.xml><?xml version="1.0" encoding="utf-8"?>
+<p:sld xmlns:a="http://schemas.openxmlformats.org/drawingml/2006/main" xmlns:r="http://schemas.openxmlformats.org/officeDocument/2006/relationships" xmlns:p="http://schemas.openxmlformats.org/presentationml/2006/main">
+  <p:cSld>
+    <p:spTree>
+      <p:nvGrpSpPr>
+        <p:cNvPr id="1" name=""/>
+        <p:cNvGrpSpPr/>
+        <p:nvPr/>
+      </p:nvGrpSpPr>
+      <p:grpSpPr>
+        <a:xfrm>
+          <a:off x="0" y="0"/>
+          <a:ext cx="0" cy="0"/>
+          <a:chOff x="0" y="0"/>
+          <a:chExt cx="0" cy="0"/>
+        </a:xfrm>
+      </p:grpSpPr>
+      <p:sp>
+        <p:nvSpPr>
+          <p:cNvPr id="2" name="Title 1"/>
+          <p:cNvSpPr>
+            <a:spLocks noGrp="1"/>
+          </p:cNvSpPr>
+          <p:nvPr>
+            <p:ph type="title"/>
+          </p:nvPr>
+        </p:nvSpPr>
+        <p:spPr/>
+        <p:txBody>
+          <a:bodyPr/>
+          <a:lstStyle/>
+          <a:p>
+            <a:r>
+              <a:rPr lang="en-US" dirty="0"/>
+              <a:t>Demo</a:t>
+            </a:r>
+          </a:p>
+        </p:txBody>
+      </p:sp>
+      <p:sp>
+        <p:nvSpPr>
+          <p:cNvPr id="3" name="Content Placeholder 2"/>
+          <p:cNvSpPr>
+            <a:spLocks noGrp="1"/>
+          </p:cNvSpPr>
+          <p:nvPr>
+            <p:ph idx="1"/>
+          </p:nvPr>
+        </p:nvSpPr>
+        <p:spPr/>
+        <p:txBody>
+          <a:bodyPr/>
+          <a:lstStyle/>
+          <a:p>
+            <a:r>
+              <a:rPr lang="en-US" dirty="0">
+                <a:hlinkClick r:id="rId2"/>
+              </a:rPr>
+              <a:t>https://www.cs.technik.fhnw.ch/wodss17-6/index.html</a:t>
+            </a:r>
+            <a:r>
+              <a:rPr lang="en-US" dirty="0"/>
+              <a:t> </a:t>
+            </a:r>
+            <a:endParaRPr lang="en-US" dirty="0"/>
+          </a:p>
+        </p:txBody>
+      </p:sp>
+    </p:spTree>
+    <p:extLst>
+      <p:ext uri="{BB962C8B-B14F-4D97-AF65-F5344CB8AC3E}">
+        <p14:creationId xmlns:p14="http://schemas.microsoft.com/office/powerpoint/2010/main" val="625221645"/>
+      </p:ext>
+    </p:extLst>
+  </p:cSld>
+  <p:clrMapOvr>
+    <a:masterClrMapping/>
+  </p:clrMapOvr>
+</p:sld>
+</file>
+
+<file path=ppt/slides/slide8.xml><?xml version="1.0" encoding="utf-8"?>
+<p:sld xmlns:a="http://schemas.openxmlformats.org/drawingml/2006/main" xmlns:r="http://schemas.openxmlformats.org/officeDocument/2006/relationships" xmlns:p="http://schemas.openxmlformats.org/presentationml/2006/main" show="0">
+  <p:cSld>
+    <p:spTree>
+      <p:nvGrpSpPr>
+        <p:cNvPr id="1" name=""/>
+        <p:cNvGrpSpPr/>
+        <p:nvPr/>
+      </p:nvGrpSpPr>
+      <p:grpSpPr>
+        <a:xfrm>
+          <a:off x="0" y="0"/>
+          <a:ext cx="0" cy="0"/>
+          <a:chOff x="0" y="0"/>
+          <a:chExt cx="0" cy="0"/>
+        </a:xfrm>
+      </p:grpSpPr>
+      <p:sp>
+        <p:nvSpPr>
+          <p:cNvPr id="2" name="Title 1"/>
+          <p:cNvSpPr>
+            <a:spLocks noGrp="1"/>
+          </p:cNvSpPr>
+          <p:nvPr>
+            <p:ph type="title"/>
+          </p:nvPr>
+        </p:nvSpPr>
+        <p:spPr/>
+        <p:txBody>
+          <a:bodyPr/>
+          <a:lstStyle/>
+          <a:p>
+            <a:r>
+              <a:rPr lang="en-US" dirty="0"/>
+              <a:t>Log in</a:t>
+            </a:r>
+          </a:p>
+        </p:txBody>
+      </p:sp>
+      <p:pic>
+        <p:nvPicPr>
+          <p:cNvPr id="4" name="Content Placeholder 3"/>
+          <p:cNvPicPr>
+            <a:picLocks noGrp="1" noChangeAspect="1"/>
+          </p:cNvPicPr>
+          <p:nvPr>
+            <p:ph idx="1"/>
+          </p:nvPr>
+        </p:nvPicPr>
+        <p:blipFill>
+          <a:blip r:embed="rId2"/>
+          <a:stretch>
+            <a:fillRect/>
+          </a:stretch>
+        </p:blipFill>
+        <p:spPr>
+          <a:xfrm>
+            <a:off x="1145740" y="2171700"/>
+            <a:ext cx="10955436" cy="4402394"/>
+          </a:xfrm>
+        </p:spPr>
+      </p:pic>
+    </p:spTree>
+    <p:extLst>
+      <p:ext uri="{BB962C8B-B14F-4D97-AF65-F5344CB8AC3E}">
+        <p14:creationId xmlns:p14="http://schemas.microsoft.com/office/powerpoint/2010/main" val="717621399"/>
+      </p:ext>
+    </p:extLst>
+  </p:cSld>
+  <p:clrMapOvr>
+    <a:masterClrMapping/>
+  </p:clrMapOvr>
+</p:sld>
+</file>
+
+<file path=ppt/slides/slide9.xml><?xml version="1.0" encoding="utf-8"?>
+<p:sld xmlns:a="http://schemas.openxmlformats.org/drawingml/2006/main" xmlns:r="http://schemas.openxmlformats.org/officeDocument/2006/relationships" xmlns:p="http://schemas.openxmlformats.org/presentationml/2006/main" show="0">
+  <p:cSld>
+    <p:spTree>
+      <p:nvGrpSpPr>
+        <p:cNvPr id="1" name=""/>
+        <p:cNvGrpSpPr/>
+        <p:nvPr/>
+      </p:nvGrpSpPr>
+      <p:grpSpPr>
+        <a:xfrm>
+          <a:off x="0" y="0"/>
+          <a:ext cx="0" cy="0"/>
+          <a:chOff x="0" y="0"/>
+          <a:chExt cx="0" cy="0"/>
+        </a:xfrm>
+      </p:grpSpPr>
+      <p:sp>
+        <p:nvSpPr>
+          <p:cNvPr id="2" name="Title 1"/>
+          <p:cNvSpPr>
+            <a:spLocks noGrp="1"/>
+          </p:cNvSpPr>
+          <p:nvPr>
+            <p:ph type="title"/>
+          </p:nvPr>
+        </p:nvSpPr>
+        <p:spPr/>
+        <p:txBody>
+          <a:bodyPr/>
+          <a:lstStyle/>
+          <a:p>
+            <a:r>
+              <a:rPr lang="en-US" dirty="0"/>
+              <a:t>User </a:t>
+            </a:r>
+            <a:r>
+              <a:rPr lang="en-US" dirty="0" err="1"/>
+              <a:t>erstellen</a:t>
+            </a:r>
+            <a:endParaRPr lang="en-US" dirty="0"/>
+          </a:p>
+        </p:txBody>
+      </p:sp>
+      <p:pic>
+        <p:nvPicPr>
+          <p:cNvPr id="4" name="Content Placeholder 3"/>
+          <p:cNvPicPr>
+            <a:picLocks noGrp="1" noChangeAspect="1"/>
+          </p:cNvPicPr>
+          <p:nvPr>
+            <p:ph idx="1"/>
+          </p:nvPr>
+        </p:nvPicPr>
+        <p:blipFill>
+          <a:blip r:embed="rId2"/>
+          <a:stretch>
+            <a:fillRect/>
+          </a:stretch>
+        </p:blipFill>
+        <p:spPr>
+          <a:xfrm>
+            <a:off x="1716011" y="2286000"/>
+            <a:ext cx="8912378" cy="3581400"/>
+          </a:xfrm>
+        </p:spPr>
+      </p:pic>
+    </p:spTree>
+    <p:extLst>
+      <p:ext uri="{BB962C8B-B14F-4D97-AF65-F5344CB8AC3E}">
+        <p14:creationId xmlns:p14="http://schemas.microsoft.com/office/powerpoint/2010/main" val="41095348"/>
       </p:ext>
     </p:extLst>
   </p:cSld>

--- a/docs/CS Seminar Registration.pptx
+++ b/docs/CS Seminar Registration.pptx
@@ -4343,12 +4343,14 @@
         </p:nvSpPr>
         <p:spPr/>
         <p:txBody>
-          <a:bodyPr/>
+          <a:bodyPr>
+            <a:normAutofit fontScale="92500" lnSpcReduction="10000"/>
+          </a:bodyPr>
           <a:lstStyle/>
           <a:p>
             <a:r>
               <a:rPr lang="en-US" dirty="0"/>
-              <a:t>Spring</a:t>
+              <a:t>Spring Boot</a:t>
             </a:r>
           </a:p>
           <a:p>
@@ -4356,6 +4358,20 @@
               <a:rPr lang="en-US" dirty="0"/>
               <a:t>Java Mail</a:t>
             </a:r>
+            <a:endParaRPr lang="en-US" dirty="0"/>
+          </a:p>
+          <a:p>
+            <a:r>
+              <a:rPr lang="en-US" dirty="0" err="1"/>
+              <a:t>MySql</a:t>
+            </a:r>
+            <a:r>
+              <a:rPr lang="en-US" dirty="0"/>
+              <a:t> / Maria DB</a:t>
+            </a:r>
+          </a:p>
+          <a:p>
+            <a:endParaRPr lang="en-US" dirty="0"/>
           </a:p>
           <a:p>
             <a:r>
@@ -4378,13 +4394,16 @@
           </a:p>
           <a:p>
             <a:r>
+              <a:rPr lang="en-US" dirty="0"/>
+              <a:t>Bootstrap</a:t>
+            </a:r>
+          </a:p>
+          <a:p>
+            <a:r>
               <a:rPr lang="en-US" dirty="0" err="1"/>
-              <a:t>MySql</a:t>
-            </a:r>
-            <a:r>
-              <a:rPr lang="en-US" dirty="0"/>
-              <a:t> / Maria DB</a:t>
-            </a:r>
+              <a:t>Webpack</a:t>
+            </a:r>
+            <a:endParaRPr lang="en-US" dirty="0"/>
           </a:p>
         </p:txBody>
       </p:sp>
@@ -4646,7 +4665,23 @@
             </a:r>
             <a:r>
               <a:rPr lang="en-US" dirty="0"/>
-              <a:t> Hash (#token=…)</a:t>
+              <a:t> Hash (#token=…) </a:t>
+            </a:r>
+            <a:r>
+              <a:rPr lang="en-US" dirty="0" err="1"/>
+              <a:t>bei</a:t>
+            </a:r>
+            <a:r>
+              <a:rPr lang="en-US" dirty="0"/>
+              <a:t> </a:t>
+            </a:r>
+            <a:r>
+              <a:rPr lang="en-US" dirty="0" err="1"/>
+              <a:t>Passwort</a:t>
+            </a:r>
+            <a:r>
+              <a:rPr lang="en-US" dirty="0"/>
+              <a:t> Reset</a:t>
             </a:r>
           </a:p>
           <a:p>
@@ -4660,7 +4695,7 @@
             </a:r>
             <a:r>
               <a:rPr lang="en-US" dirty="0"/>
-              <a:t> Files</a:t>
+              <a:t> File Download</a:t>
             </a:r>
           </a:p>
         </p:txBody>

--- a/docs/CS Seminar Registration.pptx
+++ b/docs/CS Seminar Registration.pptx
@@ -10,14 +10,17 @@
     <p:sldId id="260" r:id="rId4"/>
     <p:sldId id="259" r:id="rId5"/>
     <p:sldId id="258" r:id="rId6"/>
-    <p:sldId id="261" r:id="rId7"/>
-    <p:sldId id="262" r:id="rId8"/>
-    <p:sldId id="263" r:id="rId9"/>
-    <p:sldId id="264" r:id="rId10"/>
-    <p:sldId id="265" r:id="rId11"/>
-    <p:sldId id="266" r:id="rId12"/>
-    <p:sldId id="267" r:id="rId13"/>
-    <p:sldId id="268" r:id="rId14"/>
+    <p:sldId id="270" r:id="rId7"/>
+    <p:sldId id="271" r:id="rId8"/>
+    <p:sldId id="261" r:id="rId9"/>
+    <p:sldId id="262" r:id="rId10"/>
+    <p:sldId id="269" r:id="rId11"/>
+    <p:sldId id="263" r:id="rId12"/>
+    <p:sldId id="264" r:id="rId13"/>
+    <p:sldId id="265" r:id="rId14"/>
+    <p:sldId id="266" r:id="rId15"/>
+    <p:sldId id="267" r:id="rId16"/>
+    <p:sldId id="268" r:id="rId17"/>
   </p:sldIdLst>
   <p:sldSz cx="12192000" cy="6858000"/>
   <p:notesSz cx="6858000" cy="9144000"/>
@@ -126,12 +129,15 @@
             <p14:sldId id="260"/>
             <p14:sldId id="259"/>
             <p14:sldId id="258"/>
+            <p14:sldId id="270"/>
+            <p14:sldId id="271"/>
             <p14:sldId id="261"/>
           </p14:sldIdLst>
         </p14:section>
         <p14:section name="Demo" id="{57A7B938-D31B-48FC-945B-749F9B4BFBAC}">
           <p14:sldIdLst>
             <p14:sldId id="262"/>
+            <p14:sldId id="269"/>
             <p14:sldId id="263"/>
             <p14:sldId id="264"/>
             <p14:sldId id="265"/>
@@ -151,6 +157,10 @@
     </p:ext>
   </p:extLst>
 </p:presentation>
+</file>
+
+<file path=ppt/revisionInfo.xml><?xml version="1.0" encoding="utf-8"?>
+<p1510:revInfo xmlns:a="http://schemas.openxmlformats.org/drawingml/2006/main" xmlns:r="http://schemas.openxmlformats.org/officeDocument/2006/relationships" xmlns:p1510="http://schemas.microsoft.com/office/powerpoint/2015/10/main"/>
 </file>
 
 <file path=ppt/slideLayouts/slideLayout1.xml><?xml version="1.0" encoding="utf-8"?>
@@ -323,7 +333,7 @@
             <a:fld id="{87DE6118-2437-4B30-8E3C-4D2BE6020583}" type="datetimeFigureOut">
               <a:rPr lang="en-US" dirty="0"/>
               <a:pPr/>
-              <a:t>29.05.2017</a:t>
+              <a:t>5/29/2017</a:t>
             </a:fld>
             <a:endParaRPr lang="en-US" dirty="0"/>
           </a:p>
@@ -392,7 +402,7 @@
             <a:fld id="{69E57DC2-970A-4B3E-BB1C-7A09969E49DF}" type="slidenum">
               <a:rPr lang="en-US" dirty="0"/>
               <a:pPr/>
-              <a:t>‹#›</a:t>
+              <a:t>‹Nr.›</a:t>
             </a:fld>
             <a:endParaRPr lang="en-US" dirty="0"/>
           </a:p>
@@ -649,7 +659,7 @@
           <a:p>
             <a:fld id="{87DE6118-2437-4B30-8E3C-4D2BE6020583}" type="datetimeFigureOut">
               <a:rPr lang="en-US" dirty="0"/>
-              <a:t>29.05.2017</a:t>
+              <a:t>5/29/2017</a:t>
             </a:fld>
             <a:endParaRPr lang="en-US" dirty="0"/>
           </a:p>
@@ -691,7 +701,7 @@
           <a:p>
             <a:fld id="{69E57DC2-970A-4B3E-BB1C-7A09969E49DF}" type="slidenum">
               <a:rPr lang="en-US" dirty="0"/>
-              <a:t>‹#›</a:t>
+              <a:t>‹Nr.›</a:t>
             </a:fld>
             <a:endParaRPr lang="en-US" dirty="0"/>
           </a:p>
@@ -824,7 +834,7 @@
           <a:p>
             <a:fld id="{87DE6118-2437-4B30-8E3C-4D2BE6020583}" type="datetimeFigureOut">
               <a:rPr lang="en-US" dirty="0"/>
-              <a:t>29.05.2017</a:t>
+              <a:t>5/29/2017</a:t>
             </a:fld>
             <a:endParaRPr lang="en-US" dirty="0"/>
           </a:p>
@@ -866,7 +876,7 @@
           <a:p>
             <a:fld id="{69E57DC2-970A-4B3E-BB1C-7A09969E49DF}" type="slidenum">
               <a:rPr lang="en-US" dirty="0"/>
-              <a:t>‹#›</a:t>
+              <a:t>‹Nr.›</a:t>
             </a:fld>
             <a:endParaRPr lang="en-US" dirty="0"/>
           </a:p>
@@ -989,7 +999,7 @@
           <a:p>
             <a:fld id="{87DE6118-2437-4B30-8E3C-4D2BE6020583}" type="datetimeFigureOut">
               <a:rPr lang="en-US" dirty="0"/>
-              <a:t>29.05.2017</a:t>
+              <a:t>5/29/2017</a:t>
             </a:fld>
             <a:endParaRPr lang="en-US" dirty="0"/>
           </a:p>
@@ -1031,7 +1041,7 @@
           <a:p>
             <a:fld id="{69E57DC2-970A-4B3E-BB1C-7A09969E49DF}" type="slidenum">
               <a:rPr lang="en-US" dirty="0"/>
-              <a:t>‹#›</a:t>
+              <a:t>‹Nr.›</a:t>
             </a:fld>
             <a:endParaRPr lang="en-US" dirty="0"/>
           </a:p>
@@ -1262,7 +1272,7 @@
             <a:fld id="{87DE6118-2437-4B30-8E3C-4D2BE6020583}" type="datetimeFigureOut">
               <a:rPr lang="en-US" dirty="0"/>
               <a:pPr/>
-              <a:t>29.05.2017</a:t>
+              <a:t>5/29/2017</a:t>
             </a:fld>
             <a:endParaRPr lang="en-US" dirty="0"/>
           </a:p>
@@ -1331,7 +1341,7 @@
             <a:fld id="{69E57DC2-970A-4B3E-BB1C-7A09969E49DF}" type="slidenum">
               <a:rPr lang="en-US" dirty="0"/>
               <a:pPr/>
-              <a:t>‹#›</a:t>
+              <a:t>‹Nr.›</a:t>
             </a:fld>
             <a:endParaRPr lang="en-US" dirty="0"/>
           </a:p>
@@ -1652,7 +1662,7 @@
           <a:p>
             <a:fld id="{87DE6118-2437-4B30-8E3C-4D2BE6020583}" type="datetimeFigureOut">
               <a:rPr lang="en-US" dirty="0"/>
-              <a:t>29.05.2017</a:t>
+              <a:t>5/29/2017</a:t>
             </a:fld>
             <a:endParaRPr lang="en-US" dirty="0"/>
           </a:p>
@@ -1694,7 +1704,7 @@
           <a:p>
             <a:fld id="{69E57DC2-970A-4B3E-BB1C-7A09969E49DF}" type="slidenum">
               <a:rPr lang="en-US" dirty="0"/>
-              <a:t>‹#›</a:t>
+              <a:t>‹Nr.›</a:t>
             </a:fld>
             <a:endParaRPr lang="en-US" dirty="0"/>
           </a:p>
@@ -2124,7 +2134,7 @@
           <a:p>
             <a:fld id="{87DE6118-2437-4B30-8E3C-4D2BE6020583}" type="datetimeFigureOut">
               <a:rPr lang="en-US" dirty="0"/>
-              <a:t>29.05.2017</a:t>
+              <a:t>5/29/2017</a:t>
             </a:fld>
             <a:endParaRPr lang="en-US" dirty="0"/>
           </a:p>
@@ -2166,7 +2176,7 @@
           <a:p>
             <a:fld id="{69E57DC2-970A-4B3E-BB1C-7A09969E49DF}" type="slidenum">
               <a:rPr lang="en-US" dirty="0"/>
-              <a:t>‹#›</a:t>
+              <a:t>‹Nr.›</a:t>
             </a:fld>
             <a:endParaRPr lang="en-US" dirty="0"/>
           </a:p>
@@ -2237,7 +2247,7 @@
           <a:p>
             <a:fld id="{87DE6118-2437-4B30-8E3C-4D2BE6020583}" type="datetimeFigureOut">
               <a:rPr lang="en-US" dirty="0"/>
-              <a:t>29.05.2017</a:t>
+              <a:t>5/29/2017</a:t>
             </a:fld>
             <a:endParaRPr lang="en-US" dirty="0"/>
           </a:p>
@@ -2279,7 +2289,7 @@
           <a:p>
             <a:fld id="{69E57DC2-970A-4B3E-BB1C-7A09969E49DF}" type="slidenum">
               <a:rPr lang="en-US" dirty="0"/>
-              <a:t>‹#›</a:t>
+              <a:t>‹Nr.›</a:t>
             </a:fld>
             <a:endParaRPr lang="en-US" dirty="0"/>
           </a:p>
@@ -2327,7 +2337,7 @@
           <a:p>
             <a:fld id="{87DE6118-2437-4B30-8E3C-4D2BE6020583}" type="datetimeFigureOut">
               <a:rPr lang="en-US" dirty="0"/>
-              <a:t>29.05.2017</a:t>
+              <a:t>5/29/2017</a:t>
             </a:fld>
             <a:endParaRPr lang="en-US" dirty="0"/>
           </a:p>
@@ -2369,7 +2379,7 @@
           <a:p>
             <a:fld id="{69E57DC2-970A-4B3E-BB1C-7A09969E49DF}" type="slidenum">
               <a:rPr lang="en-US" dirty="0"/>
-              <a:t>‹#›</a:t>
+              <a:t>‹Nr.›</a:t>
             </a:fld>
             <a:endParaRPr lang="en-US" dirty="0"/>
           </a:p>
@@ -2669,7 +2679,7 @@
             <a:fld id="{87DE6118-2437-4B30-8E3C-4D2BE6020583}" type="datetimeFigureOut">
               <a:rPr lang="en-US" dirty="0"/>
               <a:pPr/>
-              <a:t>29.05.2017</a:t>
+              <a:t>5/29/2017</a:t>
             </a:fld>
             <a:endParaRPr lang="en-US" dirty="0"/>
           </a:p>
@@ -2738,7 +2748,7 @@
             <a:fld id="{69E57DC2-970A-4B3E-BB1C-7A09969E49DF}" type="slidenum">
               <a:rPr lang="en-US" dirty="0"/>
               <a:pPr/>
-              <a:t>‹#›</a:t>
+              <a:t>‹Nr.›</a:t>
             </a:fld>
             <a:endParaRPr lang="en-US" dirty="0"/>
           </a:p>
@@ -3054,7 +3064,7 @@
             <a:fld id="{87DE6118-2437-4B30-8E3C-4D2BE6020583}" type="datetimeFigureOut">
               <a:rPr lang="en-US" dirty="0"/>
               <a:pPr/>
-              <a:t>29.05.2017</a:t>
+              <a:t>5/29/2017</a:t>
             </a:fld>
             <a:endParaRPr lang="en-US" dirty="0"/>
           </a:p>
@@ -3123,7 +3133,7 @@
             <a:fld id="{69E57DC2-970A-4B3E-BB1C-7A09969E49DF}" type="slidenum">
               <a:rPr lang="en-US" dirty="0"/>
               <a:pPr/>
-              <a:t>‹#›</a:t>
+              <a:t>‹Nr.›</a:t>
             </a:fld>
             <a:endParaRPr lang="en-US" dirty="0"/>
           </a:p>
@@ -3329,7 +3339,7 @@
             <a:fld id="{87DE6118-2437-4B30-8E3C-4D2BE6020583}" type="datetimeFigureOut">
               <a:rPr lang="en-US" dirty="0"/>
               <a:pPr/>
-              <a:t>29.05.2017</a:t>
+              <a:t>5/29/2017</a:t>
             </a:fld>
             <a:endParaRPr lang="en-US" dirty="0"/>
           </a:p>
@@ -3404,7 +3414,7 @@
             <a:fld id="{69E57DC2-970A-4B3E-BB1C-7A09969E49DF}" type="slidenum">
               <a:rPr lang="en-US" dirty="0"/>
               <a:pPr/>
-              <a:t>‹#›</a:t>
+              <a:t>‹Nr.›</a:t>
             </a:fld>
             <a:endParaRPr lang="en-US" dirty="0"/>
           </a:p>
@@ -3895,6 +3905,262 @@
 </file>
 
 <file path=ppt/slides/slide10.xml><?xml version="1.0" encoding="utf-8"?>
+<p:sld xmlns:a="http://schemas.openxmlformats.org/drawingml/2006/main" xmlns:r="http://schemas.openxmlformats.org/officeDocument/2006/relationships" xmlns:p="http://schemas.openxmlformats.org/presentationml/2006/main">
+  <p:cSld>
+    <p:spTree>
+      <p:nvGrpSpPr>
+        <p:cNvPr id="1" name=""/>
+        <p:cNvGrpSpPr/>
+        <p:nvPr/>
+      </p:nvGrpSpPr>
+      <p:grpSpPr>
+        <a:xfrm>
+          <a:off x="0" y="0"/>
+          <a:ext cx="0" cy="0"/>
+          <a:chOff x="0" y="0"/>
+          <a:chExt cx="0" cy="0"/>
+        </a:xfrm>
+      </p:grpSpPr>
+      <p:sp>
+        <p:nvSpPr>
+          <p:cNvPr id="2" name="Titel 1"/>
+          <p:cNvSpPr>
+            <a:spLocks noGrp="1"/>
+          </p:cNvSpPr>
+          <p:nvPr>
+            <p:ph type="title"/>
+          </p:nvPr>
+        </p:nvSpPr>
+        <p:spPr/>
+        <p:txBody>
+          <a:bodyPr/>
+          <a:lstStyle/>
+          <a:p>
+            <a:endParaRPr lang="de-DE"/>
+          </a:p>
+        </p:txBody>
+      </p:sp>
+      <p:sp>
+        <p:nvSpPr>
+          <p:cNvPr id="3" name="Inhaltsplatzhalter 2"/>
+          <p:cNvSpPr>
+            <a:spLocks noGrp="1"/>
+          </p:cNvSpPr>
+          <p:nvPr>
+            <p:ph idx="1"/>
+          </p:nvPr>
+        </p:nvSpPr>
+        <p:spPr/>
+        <p:txBody>
+          <a:bodyPr/>
+          <a:lstStyle/>
+          <a:p>
+            <a:endParaRPr lang="de-DE"/>
+          </a:p>
+        </p:txBody>
+      </p:sp>
+      <p:pic>
+        <p:nvPicPr>
+          <p:cNvPr id="4" name="Picture 2" descr="C:\Users\Adrian\AppData\Local\Microsoft\Windows\INetCacheContent.Word\db_model.png"/>
+          <p:cNvPicPr/>
+          <p:nvPr/>
+        </p:nvPicPr>
+        <p:blipFill>
+          <a:blip r:embed="rId2">
+            <a:extLst>
+              <a:ext uri="{28A0092B-C50C-407E-A947-70E740481C1C}">
+                <a14:useLocalDpi xmlns:a14="http://schemas.microsoft.com/office/drawing/2010/main" val="0"/>
+              </a:ext>
+            </a:extLst>
+          </a:blip>
+          <a:srcRect/>
+          <a:stretch>
+            <a:fillRect/>
+          </a:stretch>
+        </p:blipFill>
+        <p:spPr bwMode="auto">
+          <a:xfrm>
+            <a:off x="2614862" y="0"/>
+            <a:ext cx="7090611" cy="6857999"/>
+          </a:xfrm>
+          <a:prstGeom prst="rect">
+            <a:avLst/>
+          </a:prstGeom>
+          <a:noFill/>
+          <a:ln>
+            <a:noFill/>
+          </a:ln>
+        </p:spPr>
+      </p:pic>
+    </p:spTree>
+    <p:extLst>
+      <p:ext uri="{BB962C8B-B14F-4D97-AF65-F5344CB8AC3E}">
+        <p14:creationId xmlns:p14="http://schemas.microsoft.com/office/powerpoint/2010/main" val="1691578284"/>
+      </p:ext>
+    </p:extLst>
+  </p:cSld>
+  <p:clrMapOvr>
+    <a:masterClrMapping/>
+  </p:clrMapOvr>
+</p:sld>
+</file>
+
+<file path=ppt/slides/slide11.xml><?xml version="1.0" encoding="utf-8"?>
+<p:sld xmlns:a="http://schemas.openxmlformats.org/drawingml/2006/main" xmlns:r="http://schemas.openxmlformats.org/officeDocument/2006/relationships" xmlns:p="http://schemas.openxmlformats.org/presentationml/2006/main" show="0">
+  <p:cSld>
+    <p:spTree>
+      <p:nvGrpSpPr>
+        <p:cNvPr id="1" name=""/>
+        <p:cNvGrpSpPr/>
+        <p:nvPr/>
+      </p:nvGrpSpPr>
+      <p:grpSpPr>
+        <a:xfrm>
+          <a:off x="0" y="0"/>
+          <a:ext cx="0" cy="0"/>
+          <a:chOff x="0" y="0"/>
+          <a:chExt cx="0" cy="0"/>
+        </a:xfrm>
+      </p:grpSpPr>
+      <p:sp>
+        <p:nvSpPr>
+          <p:cNvPr id="2" name="Title 1"/>
+          <p:cNvSpPr>
+            <a:spLocks noGrp="1"/>
+          </p:cNvSpPr>
+          <p:nvPr>
+            <p:ph type="title"/>
+          </p:nvPr>
+        </p:nvSpPr>
+        <p:spPr/>
+        <p:txBody>
+          <a:bodyPr/>
+          <a:lstStyle/>
+          <a:p>
+            <a:r>
+              <a:rPr lang="en-US" dirty="0"/>
+              <a:t>Log in</a:t>
+            </a:r>
+          </a:p>
+        </p:txBody>
+      </p:sp>
+      <p:pic>
+        <p:nvPicPr>
+          <p:cNvPr id="4" name="Content Placeholder 3"/>
+          <p:cNvPicPr>
+            <a:picLocks noGrp="1" noChangeAspect="1"/>
+          </p:cNvPicPr>
+          <p:nvPr>
+            <p:ph idx="1"/>
+          </p:nvPr>
+        </p:nvPicPr>
+        <p:blipFill>
+          <a:blip r:embed="rId2"/>
+          <a:stretch>
+            <a:fillRect/>
+          </a:stretch>
+        </p:blipFill>
+        <p:spPr>
+          <a:xfrm>
+            <a:off x="1145740" y="2171700"/>
+            <a:ext cx="10955436" cy="4402394"/>
+          </a:xfrm>
+        </p:spPr>
+      </p:pic>
+    </p:spTree>
+    <p:extLst>
+      <p:ext uri="{BB962C8B-B14F-4D97-AF65-F5344CB8AC3E}">
+        <p14:creationId xmlns:p14="http://schemas.microsoft.com/office/powerpoint/2010/main" val="717621399"/>
+      </p:ext>
+    </p:extLst>
+  </p:cSld>
+  <p:clrMapOvr>
+    <a:masterClrMapping/>
+  </p:clrMapOvr>
+</p:sld>
+</file>
+
+<file path=ppt/slides/slide12.xml><?xml version="1.0" encoding="utf-8"?>
+<p:sld xmlns:a="http://schemas.openxmlformats.org/drawingml/2006/main" xmlns:r="http://schemas.openxmlformats.org/officeDocument/2006/relationships" xmlns:p="http://schemas.openxmlformats.org/presentationml/2006/main" show="0">
+  <p:cSld>
+    <p:spTree>
+      <p:nvGrpSpPr>
+        <p:cNvPr id="1" name=""/>
+        <p:cNvGrpSpPr/>
+        <p:nvPr/>
+      </p:nvGrpSpPr>
+      <p:grpSpPr>
+        <a:xfrm>
+          <a:off x="0" y="0"/>
+          <a:ext cx="0" cy="0"/>
+          <a:chOff x="0" y="0"/>
+          <a:chExt cx="0" cy="0"/>
+        </a:xfrm>
+      </p:grpSpPr>
+      <p:sp>
+        <p:nvSpPr>
+          <p:cNvPr id="2" name="Title 1"/>
+          <p:cNvSpPr>
+            <a:spLocks noGrp="1"/>
+          </p:cNvSpPr>
+          <p:nvPr>
+            <p:ph type="title"/>
+          </p:nvPr>
+        </p:nvSpPr>
+        <p:spPr/>
+        <p:txBody>
+          <a:bodyPr/>
+          <a:lstStyle/>
+          <a:p>
+            <a:r>
+              <a:rPr lang="en-US" dirty="0"/>
+              <a:t>User </a:t>
+            </a:r>
+            <a:r>
+              <a:rPr lang="en-US" dirty="0" err="1"/>
+              <a:t>erstellen</a:t>
+            </a:r>
+            <a:endParaRPr lang="en-US" dirty="0"/>
+          </a:p>
+        </p:txBody>
+      </p:sp>
+      <p:pic>
+        <p:nvPicPr>
+          <p:cNvPr id="4" name="Content Placeholder 3"/>
+          <p:cNvPicPr>
+            <a:picLocks noGrp="1" noChangeAspect="1"/>
+          </p:cNvPicPr>
+          <p:nvPr>
+            <p:ph idx="1"/>
+          </p:nvPr>
+        </p:nvPicPr>
+        <p:blipFill>
+          <a:blip r:embed="rId2"/>
+          <a:stretch>
+            <a:fillRect/>
+          </a:stretch>
+        </p:blipFill>
+        <p:spPr>
+          <a:xfrm>
+            <a:off x="1716011" y="2286000"/>
+            <a:ext cx="8912378" cy="3581400"/>
+          </a:xfrm>
+        </p:spPr>
+      </p:pic>
+    </p:spTree>
+    <p:extLst>
+      <p:ext uri="{BB962C8B-B14F-4D97-AF65-F5344CB8AC3E}">
+        <p14:creationId xmlns:p14="http://schemas.microsoft.com/office/powerpoint/2010/main" val="41095348"/>
+      </p:ext>
+    </p:extLst>
+  </p:cSld>
+  <p:clrMapOvr>
+    <a:masterClrMapping/>
+  </p:clrMapOvr>
+</p:sld>
+</file>
+
+<file path=ppt/slides/slide13.xml><?xml version="1.0" encoding="utf-8"?>
 <p:sld xmlns:a="http://schemas.openxmlformats.org/drawingml/2006/main" xmlns:r="http://schemas.openxmlformats.org/officeDocument/2006/relationships" xmlns:p="http://schemas.openxmlformats.org/presentationml/2006/main" show="0">
   <p:cSld>
     <p:spTree>
@@ -3978,7 +4244,7 @@
 </p:sld>
 </file>
 
-<file path=ppt/slides/slide11.xml><?xml version="1.0" encoding="utf-8"?>
+<file path=ppt/slides/slide14.xml><?xml version="1.0" encoding="utf-8"?>
 <p:sld xmlns:a="http://schemas.openxmlformats.org/drawingml/2006/main" xmlns:r="http://schemas.openxmlformats.org/officeDocument/2006/relationships" xmlns:p="http://schemas.openxmlformats.org/presentationml/2006/main" show="0">
   <p:cSld>
     <p:spTree>
@@ -4054,7 +4320,7 @@
 </p:sld>
 </file>
 
-<file path=ppt/slides/slide12.xml><?xml version="1.0" encoding="utf-8"?>
+<file path=ppt/slides/slide15.xml><?xml version="1.0" encoding="utf-8"?>
 <p:sld xmlns:a="http://schemas.openxmlformats.org/drawingml/2006/main" xmlns:r="http://schemas.openxmlformats.org/officeDocument/2006/relationships" xmlns:p="http://schemas.openxmlformats.org/presentationml/2006/main" show="0">
   <p:cSld>
     <p:spTree>
@@ -4133,7 +4399,7 @@
 </p:sld>
 </file>
 
-<file path=ppt/slides/slide13.xml><?xml version="1.0" encoding="utf-8"?>
+<file path=ppt/slides/slide16.xml><?xml version="1.0" encoding="utf-8"?>
 <p:sld xmlns:a="http://schemas.openxmlformats.org/drawingml/2006/main" xmlns:r="http://schemas.openxmlformats.org/officeDocument/2006/relationships" xmlns:p="http://schemas.openxmlformats.org/presentationml/2006/main">
   <p:cSld>
     <p:spTree>
@@ -4344,7 +4610,7 @@
         <p:spPr/>
         <p:txBody>
           <a:bodyPr>
-            <a:normAutofit fontScale="92500" lnSpcReduction="10000"/>
+            <a:normAutofit fontScale="85000" lnSpcReduction="20000"/>
           </a:bodyPr>
           <a:lstStyle/>
           <a:p>
@@ -4358,7 +4624,6 @@
               <a:rPr lang="en-US" dirty="0"/>
               <a:t>Java Mail</a:t>
             </a:r>
-            <a:endParaRPr lang="en-US" dirty="0"/>
           </a:p>
           <a:p>
             <a:r>
@@ -4405,8 +4670,329 @@
             </a:r>
             <a:endParaRPr lang="en-US" dirty="0"/>
           </a:p>
-        </p:txBody>
-      </p:sp>
+          <a:p>
+            <a:r>
+              <a:rPr lang="en-US" dirty="0"/>
+              <a:t>Swagger</a:t>
+            </a:r>
+          </a:p>
+        </p:txBody>
+      </p:sp>
+      <p:pic>
+        <p:nvPicPr>
+          <p:cNvPr id="5" name="Grafik 4"/>
+          <p:cNvPicPr>
+            <a:picLocks noChangeAspect="1"/>
+          </p:cNvPicPr>
+          <p:nvPr/>
+        </p:nvPicPr>
+        <p:blipFill>
+          <a:blip r:embed="rId2"/>
+          <a:stretch>
+            <a:fillRect/>
+          </a:stretch>
+        </p:blipFill>
+        <p:spPr>
+          <a:xfrm>
+            <a:off x="7268927" y="2751490"/>
+            <a:ext cx="1730693" cy="1552882"/>
+          </a:xfrm>
+          <a:prstGeom prst="rect">
+            <a:avLst/>
+          </a:prstGeom>
+        </p:spPr>
+      </p:pic>
+      <p:pic>
+        <p:nvPicPr>
+          <p:cNvPr id="7" name="Grafik 6"/>
+          <p:cNvPicPr>
+            <a:picLocks noChangeAspect="1"/>
+          </p:cNvPicPr>
+          <p:nvPr/>
+        </p:nvPicPr>
+        <p:blipFill>
+          <a:blip r:embed="rId3"/>
+          <a:stretch>
+            <a:fillRect/>
+          </a:stretch>
+        </p:blipFill>
+        <p:spPr>
+          <a:xfrm>
+            <a:off x="4892842" y="1645271"/>
+            <a:ext cx="1986789" cy="1986789"/>
+          </a:xfrm>
+          <a:prstGeom prst="rect">
+            <a:avLst/>
+          </a:prstGeom>
+        </p:spPr>
+      </p:pic>
+      <p:sp>
+        <p:nvSpPr>
+          <p:cNvPr id="8" name="AutoShape 2" descr="Image result for spring boot logo"/>
+          <p:cNvSpPr>
+            <a:spLocks noChangeAspect="1" noChangeArrowheads="1"/>
+          </p:cNvSpPr>
+          <p:nvPr/>
+        </p:nvSpPr>
+        <p:spPr bwMode="auto">
+          <a:xfrm>
+            <a:off x="5943600" y="3276600"/>
+            <a:ext cx="304800" cy="304800"/>
+          </a:xfrm>
+          <a:prstGeom prst="rect">
+            <a:avLst/>
+          </a:prstGeom>
+          <a:noFill/>
+          <a:extLst>
+            <a:ext uri="{909E8E84-426E-40DD-AFC4-6F175D3DCCD1}">
+              <a14:hiddenFill xmlns:a14="http://schemas.microsoft.com/office/drawing/2010/main">
+                <a:solidFill>
+                  <a:srgbClr val="FFFFFF"/>
+                </a:solidFill>
+              </a14:hiddenFill>
+            </a:ext>
+          </a:extLst>
+        </p:spPr>
+        <p:txBody>
+          <a:bodyPr vert="horz" wrap="square" lIns="91440" tIns="45720" rIns="91440" bIns="45720" numCol="1" anchor="t" anchorCtr="0" compatLnSpc="1">
+            <a:prstTxWarp prst="textNoShape">
+              <a:avLst/>
+            </a:prstTxWarp>
+          </a:bodyPr>
+          <a:lstStyle/>
+          <a:p>
+            <a:endParaRPr lang="de-DE"/>
+          </a:p>
+        </p:txBody>
+      </p:sp>
+      <p:sp>
+        <p:nvSpPr>
+          <p:cNvPr id="9" name="AutoShape 4" descr="Image result for spring boot logo"/>
+          <p:cNvSpPr>
+            <a:spLocks noChangeAspect="1" noChangeArrowheads="1"/>
+          </p:cNvSpPr>
+          <p:nvPr/>
+        </p:nvSpPr>
+        <p:spPr bwMode="auto">
+          <a:xfrm>
+            <a:off x="6096000" y="3429000"/>
+            <a:ext cx="304800" cy="304800"/>
+          </a:xfrm>
+          <a:prstGeom prst="rect">
+            <a:avLst/>
+          </a:prstGeom>
+          <a:noFill/>
+          <a:extLst>
+            <a:ext uri="{909E8E84-426E-40DD-AFC4-6F175D3DCCD1}">
+              <a14:hiddenFill xmlns:a14="http://schemas.microsoft.com/office/drawing/2010/main">
+                <a:solidFill>
+                  <a:srgbClr val="FFFFFF"/>
+                </a:solidFill>
+              </a14:hiddenFill>
+            </a:ext>
+          </a:extLst>
+        </p:spPr>
+        <p:txBody>
+          <a:bodyPr vert="horz" wrap="square" lIns="91440" tIns="45720" rIns="91440" bIns="45720" numCol="1" anchor="t" anchorCtr="0" compatLnSpc="1">
+            <a:prstTxWarp prst="textNoShape">
+              <a:avLst/>
+            </a:prstTxWarp>
+          </a:bodyPr>
+          <a:lstStyle/>
+          <a:p>
+            <a:endParaRPr lang="de-DE"/>
+          </a:p>
+        </p:txBody>
+      </p:sp>
+      <p:sp>
+        <p:nvSpPr>
+          <p:cNvPr id="12" name="AutoShape 6" descr="Image result for spring boot logo"/>
+          <p:cNvSpPr>
+            <a:spLocks noChangeAspect="1" noChangeArrowheads="1"/>
+          </p:cNvSpPr>
+          <p:nvPr/>
+        </p:nvSpPr>
+        <p:spPr bwMode="auto">
+          <a:xfrm>
+            <a:off x="6248400" y="3581400"/>
+            <a:ext cx="304800" cy="304800"/>
+          </a:xfrm>
+          <a:prstGeom prst="rect">
+            <a:avLst/>
+          </a:prstGeom>
+          <a:noFill/>
+          <a:extLst>
+            <a:ext uri="{909E8E84-426E-40DD-AFC4-6F175D3DCCD1}">
+              <a14:hiddenFill xmlns:a14="http://schemas.microsoft.com/office/drawing/2010/main">
+                <a:solidFill>
+                  <a:srgbClr val="FFFFFF"/>
+                </a:solidFill>
+              </a14:hiddenFill>
+            </a:ext>
+          </a:extLst>
+        </p:spPr>
+        <p:txBody>
+          <a:bodyPr vert="horz" wrap="square" lIns="91440" tIns="45720" rIns="91440" bIns="45720" numCol="1" anchor="t" anchorCtr="0" compatLnSpc="1">
+            <a:prstTxWarp prst="textNoShape">
+              <a:avLst/>
+            </a:prstTxWarp>
+          </a:bodyPr>
+          <a:lstStyle/>
+          <a:p>
+            <a:endParaRPr lang="de-DE"/>
+          </a:p>
+        </p:txBody>
+      </p:sp>
+      <p:sp>
+        <p:nvSpPr>
+          <p:cNvPr id="15" name="AutoShape 12" descr="Image result for spring boot logo"/>
+          <p:cNvSpPr>
+            <a:spLocks noChangeAspect="1" noChangeArrowheads="1"/>
+          </p:cNvSpPr>
+          <p:nvPr/>
+        </p:nvSpPr>
+        <p:spPr bwMode="auto">
+          <a:xfrm>
+            <a:off x="4667250" y="2000250"/>
+            <a:ext cx="2857500" cy="2857500"/>
+          </a:xfrm>
+          <a:prstGeom prst="rect">
+            <a:avLst/>
+          </a:prstGeom>
+          <a:noFill/>
+          <a:extLst>
+            <a:ext uri="{909E8E84-426E-40DD-AFC4-6F175D3DCCD1}">
+              <a14:hiddenFill xmlns:a14="http://schemas.microsoft.com/office/drawing/2010/main">
+                <a:solidFill>
+                  <a:srgbClr val="FFFFFF"/>
+                </a:solidFill>
+              </a14:hiddenFill>
+            </a:ext>
+          </a:extLst>
+        </p:spPr>
+        <p:txBody>
+          <a:bodyPr vert="horz" wrap="square" lIns="91440" tIns="45720" rIns="91440" bIns="45720" numCol="1" anchor="t" anchorCtr="0" compatLnSpc="1">
+            <a:prstTxWarp prst="textNoShape">
+              <a:avLst/>
+            </a:prstTxWarp>
+          </a:bodyPr>
+          <a:lstStyle/>
+          <a:p>
+            <a:endParaRPr lang="de-DE"/>
+          </a:p>
+        </p:txBody>
+      </p:sp>
+      <p:sp>
+        <p:nvSpPr>
+          <p:cNvPr id="13" name="AutoShape 8" descr="Image result for spring boot logo"/>
+          <p:cNvSpPr>
+            <a:spLocks noChangeAspect="1" noChangeArrowheads="1"/>
+          </p:cNvSpPr>
+          <p:nvPr/>
+        </p:nvSpPr>
+        <p:spPr bwMode="auto">
+          <a:xfrm>
+            <a:off x="6400799" y="1439779"/>
+            <a:ext cx="2598821" cy="2598821"/>
+          </a:xfrm>
+          <a:prstGeom prst="rect">
+            <a:avLst/>
+          </a:prstGeom>
+          <a:noFill/>
+          <a:extLst>
+            <a:ext uri="{909E8E84-426E-40DD-AFC4-6F175D3DCCD1}">
+              <a14:hiddenFill xmlns:a14="http://schemas.microsoft.com/office/drawing/2010/main">
+                <a:solidFill>
+                  <a:srgbClr val="FFFFFF"/>
+                </a:solidFill>
+              </a14:hiddenFill>
+            </a:ext>
+          </a:extLst>
+        </p:spPr>
+        <p:txBody>
+          <a:bodyPr vert="horz" wrap="square" lIns="91440" tIns="45720" rIns="91440" bIns="45720" numCol="1" anchor="t" anchorCtr="0" compatLnSpc="1">
+            <a:prstTxWarp prst="textNoShape">
+              <a:avLst/>
+            </a:prstTxWarp>
+          </a:bodyPr>
+          <a:lstStyle/>
+          <a:p>
+            <a:endParaRPr lang="de-DE"/>
+          </a:p>
+        </p:txBody>
+      </p:sp>
+      <p:pic>
+        <p:nvPicPr>
+          <p:cNvPr id="6" name="Grafik 5"/>
+          <p:cNvPicPr>
+            <a:picLocks noChangeAspect="1"/>
+          </p:cNvPicPr>
+          <p:nvPr/>
+        </p:nvPicPr>
+        <p:blipFill>
+          <a:blip r:embed="rId4"/>
+          <a:stretch>
+            <a:fillRect/>
+          </a:stretch>
+        </p:blipFill>
+        <p:spPr>
+          <a:xfrm>
+            <a:off x="4367111" y="4541087"/>
+            <a:ext cx="4719887" cy="1351364"/>
+          </a:xfrm>
+          <a:prstGeom prst="rect">
+            <a:avLst/>
+          </a:prstGeom>
+        </p:spPr>
+      </p:pic>
+      <p:pic>
+        <p:nvPicPr>
+          <p:cNvPr id="11" name="Grafik 10"/>
+          <p:cNvPicPr>
+            <a:picLocks noChangeAspect="1"/>
+          </p:cNvPicPr>
+          <p:nvPr/>
+        </p:nvPicPr>
+        <p:blipFill>
+          <a:blip r:embed="rId5"/>
+          <a:stretch>
+            <a:fillRect/>
+          </a:stretch>
+        </p:blipFill>
+        <p:spPr>
+          <a:xfrm>
+            <a:off x="7558762" y="1221347"/>
+            <a:ext cx="4529814" cy="1408772"/>
+          </a:xfrm>
+          <a:prstGeom prst="rect">
+            <a:avLst/>
+          </a:prstGeom>
+        </p:spPr>
+      </p:pic>
+      <p:pic>
+        <p:nvPicPr>
+          <p:cNvPr id="17" name="Grafik 16"/>
+          <p:cNvPicPr>
+            <a:picLocks noChangeAspect="1"/>
+          </p:cNvPicPr>
+          <p:nvPr/>
+        </p:nvPicPr>
+        <p:blipFill>
+          <a:blip r:embed="rId6"/>
+          <a:stretch>
+            <a:fillRect/>
+          </a:stretch>
+        </p:blipFill>
+        <p:spPr>
+          <a:xfrm>
+            <a:off x="9735124" y="4073769"/>
+            <a:ext cx="2018800" cy="2018800"/>
+          </a:xfrm>
+          <a:prstGeom prst="rect">
+            <a:avLst/>
+          </a:prstGeom>
+        </p:spPr>
+      </p:pic>
     </p:spTree>
     <p:extLst>
       <p:ext uri="{BB962C8B-B14F-4D97-AF65-F5344CB8AC3E}">
@@ -4732,7 +5318,7 @@
       </p:grpSpPr>
       <p:sp>
         <p:nvSpPr>
-          <p:cNvPr id="2" name="Title 1"/>
+          <p:cNvPr id="2" name="Titel 1"/>
           <p:cNvSpPr>
             <a:spLocks noGrp="1"/>
           </p:cNvSpPr>
@@ -4746,19 +5332,16 @@
           <a:lstStyle/>
           <a:p>
             <a:r>
-              <a:rPr lang="en-US" dirty="0" err="1"/>
-              <a:t>Verbleibendes</a:t>
-            </a:r>
-            <a:r>
-              <a:rPr lang="en-US" dirty="0"/>
-              <a:t> Potential</a:t>
-            </a:r>
-          </a:p>
-        </p:txBody>
-      </p:sp>
-      <p:sp>
-        <p:nvSpPr>
-          <p:cNvPr id="3" name="Content Placeholder 2"/>
+              <a:rPr lang="de-CH" dirty="0"/>
+              <a:t>GUI</a:t>
+            </a:r>
+            <a:endParaRPr lang="de-DE" dirty="0"/>
+          </a:p>
+        </p:txBody>
+      </p:sp>
+      <p:sp>
+        <p:nvSpPr>
+          <p:cNvPr id="3" name="Inhaltsplatzhalter 2"/>
           <p:cNvSpPr>
             <a:spLocks noGrp="1"/>
           </p:cNvSpPr>
@@ -4772,45 +5355,69 @@
           <a:lstStyle/>
           <a:p>
             <a:r>
-              <a:rPr lang="en-US" dirty="0"/>
-              <a:t>GUI </a:t>
-            </a:r>
-          </a:p>
-          <a:p>
-            <a:r>
-              <a:rPr lang="en-US" dirty="0"/>
-              <a:t>Testing </a:t>
-            </a:r>
-            <a:r>
-              <a:rPr lang="en-US" dirty="0" err="1"/>
-              <a:t>für</a:t>
-            </a:r>
-            <a:r>
-              <a:rPr lang="en-US" dirty="0"/>
-              <a:t> </a:t>
-            </a:r>
-            <a:r>
-              <a:rPr lang="en-US" dirty="0" err="1"/>
-              <a:t>Fehler</a:t>
-            </a:r>
-            <a:endParaRPr lang="en-US" dirty="0"/>
-          </a:p>
-          <a:p>
-            <a:r>
-              <a:rPr lang="en-US" dirty="0" err="1"/>
-              <a:t>Besseres</a:t>
-            </a:r>
-            <a:r>
-              <a:rPr lang="en-US" dirty="0"/>
-              <a:t> Logging</a:t>
-            </a:r>
+              <a:rPr lang="de-CH" dirty="0"/>
+              <a:t>Flache </a:t>
+            </a:r>
+            <a:r>
+              <a:rPr lang="de-CH" dirty="0" err="1"/>
+              <a:t>React</a:t>
+            </a:r>
+            <a:r>
+              <a:rPr lang="de-CH" dirty="0"/>
+              <a:t> Komponenten Hierarchie</a:t>
+            </a:r>
+          </a:p>
+          <a:p>
+            <a:r>
+              <a:rPr lang="de-CH" dirty="0"/>
+              <a:t>Simples JavaScript </a:t>
+            </a:r>
+            <a:r>
+              <a:rPr lang="de-CH" dirty="0" err="1"/>
+              <a:t>routing</a:t>
+            </a:r>
+            <a:endParaRPr lang="de-CH" dirty="0"/>
+          </a:p>
+          <a:p>
+            <a:r>
+              <a:rPr lang="de-CH" dirty="0"/>
+              <a:t>i18next für einfach konfigurierbare Übersetzung</a:t>
+            </a:r>
+          </a:p>
+          <a:p>
+            <a:r>
+              <a:rPr lang="de-CH" dirty="0"/>
+              <a:t>Speichert </a:t>
+            </a:r>
+            <a:r>
+              <a:rPr lang="de-CH" dirty="0" err="1"/>
+              <a:t>jwt</a:t>
+            </a:r>
+            <a:r>
+              <a:rPr lang="de-CH" dirty="0"/>
+              <a:t> in </a:t>
+            </a:r>
+            <a:r>
+              <a:rPr lang="de-CH" dirty="0" err="1"/>
+              <a:t>localStorage</a:t>
+            </a:r>
+            <a:r>
+              <a:rPr lang="de-CH" dirty="0"/>
+              <a:t> für Dauer der Session</a:t>
+            </a:r>
+          </a:p>
+          <a:p>
+            <a:endParaRPr lang="de-CH" dirty="0"/>
+          </a:p>
+          <a:p>
+            <a:endParaRPr lang="de-DE" dirty="0"/>
           </a:p>
         </p:txBody>
       </p:sp>
     </p:spTree>
     <p:extLst>
       <p:ext uri="{BB962C8B-B14F-4D97-AF65-F5344CB8AC3E}">
-        <p14:creationId xmlns:p14="http://schemas.microsoft.com/office/powerpoint/2010/main" val="1988315661"/>
+        <p14:creationId xmlns:p14="http://schemas.microsoft.com/office/powerpoint/2010/main" val="577707620"/>
       </p:ext>
     </p:extLst>
   </p:cSld>
@@ -4839,7 +5446,7 @@
       </p:grpSpPr>
       <p:sp>
         <p:nvSpPr>
-          <p:cNvPr id="2" name="Title 1"/>
+          <p:cNvPr id="2" name="Titel 1"/>
           <p:cNvSpPr>
             <a:spLocks noGrp="1"/>
           </p:cNvSpPr>
@@ -4853,15 +5460,24 @@
           <a:lstStyle/>
           <a:p>
             <a:r>
-              <a:rPr lang="en-US" dirty="0"/>
-              <a:t>Demo</a:t>
-            </a:r>
-          </a:p>
-        </p:txBody>
-      </p:sp>
-      <p:sp>
-        <p:nvSpPr>
-          <p:cNvPr id="3" name="Content Placeholder 2"/>
+              <a:rPr lang="de-CH" dirty="0" err="1"/>
+              <a:t>Lessons</a:t>
+            </a:r>
+            <a:r>
+              <a:rPr lang="de-CH" dirty="0"/>
+              <a:t> </a:t>
+            </a:r>
+            <a:r>
+              <a:rPr lang="de-CH" dirty="0" err="1"/>
+              <a:t>Learned</a:t>
+            </a:r>
+            <a:endParaRPr lang="de-DE" dirty="0"/>
+          </a:p>
+        </p:txBody>
+      </p:sp>
+      <p:sp>
+        <p:nvSpPr>
+          <p:cNvPr id="3" name="Inhaltsplatzhalter 2"/>
           <p:cNvSpPr>
             <a:spLocks noGrp="1"/>
           </p:cNvSpPr>
@@ -4875,23 +5491,78 @@
           <a:lstStyle/>
           <a:p>
             <a:r>
-              <a:rPr lang="en-US" dirty="0">
-                <a:hlinkClick r:id="rId2"/>
+              <a:rPr lang="de-CH" dirty="0"/>
+              <a:t>Gutes </a:t>
+            </a:r>
+            <a:r>
+              <a:rPr lang="de-CH" dirty="0" err="1"/>
+              <a:t>Logging</a:t>
+            </a:r>
+            <a:r>
+              <a:rPr lang="de-CH" dirty="0"/>
+              <a:t> für Tests während der Entwicklung essentiell</a:t>
+            </a:r>
+          </a:p>
+          <a:p>
+            <a:r>
+              <a:rPr lang="de-CH" dirty="0"/>
+              <a:t>Datenbanksettings gut testen</a:t>
+            </a:r>
+          </a:p>
+          <a:p>
+            <a:r>
+              <a:rPr lang="de-CH" dirty="0" err="1"/>
+              <a:t>Typescript</a:t>
+            </a:r>
+            <a:r>
+              <a:rPr lang="de-CH" dirty="0"/>
+              <a:t> erleichtert Programmierung nach kurzer Umgewöhnungsphase</a:t>
+            </a:r>
+          </a:p>
+          <a:p>
+            <a:r>
+              <a:rPr lang="de-CH" dirty="0"/>
+              <a:t>Java 8  </a:t>
+            </a:r>
+            <a:r>
+              <a:rPr lang="de-CH" dirty="0" err="1"/>
+              <a:t>DateTime</a:t>
+            </a:r>
+            <a:r>
+              <a:rPr lang="de-CH" dirty="0"/>
+              <a:t> API umständlich </a:t>
+            </a:r>
+          </a:p>
+          <a:p>
+            <a:r>
+              <a:rPr lang="de-CH" dirty="0"/>
+              <a:t>Unit </a:t>
+            </a:r>
+            <a:r>
+              <a:rPr lang="de-CH" dirty="0" err="1"/>
+              <a:t>tests</a:t>
+            </a:r>
+            <a:r>
+              <a:rPr lang="de-CH" dirty="0"/>
+              <a:t> super </a:t>
+            </a:r>
+            <a:r>
+              <a:rPr lang="de-CH" dirty="0">
+                <a:sym typeface="Wingdings" panose="05000000000000000000" pitchFamily="2" charset="2"/>
               </a:rPr>
-              <a:t>https://www.cs.technik.fhnw.ch/wodss17-6/index.html</a:t>
-            </a:r>
-            <a:r>
-              <a:rPr lang="en-US" dirty="0"/>
-              <a:t> </a:t>
-            </a:r>
-            <a:endParaRPr lang="en-US" dirty="0"/>
+              <a:t></a:t>
+            </a:r>
+            <a:endParaRPr lang="de-CH" dirty="0"/>
+          </a:p>
+          <a:p>
+            <a:endParaRPr lang="de-DE" dirty="0"/>
           </a:p>
         </p:txBody>
       </p:sp>
     </p:spTree>
     <p:extLst>
       <p:ext uri="{BB962C8B-B14F-4D97-AF65-F5344CB8AC3E}">
-        <p14:creationId xmlns:p14="http://schemas.microsoft.com/office/powerpoint/2010/main" val="625221645"/>
+        <p14:creationId xmlns:p14="http://schemas.microsoft.com/office/powerpoint/2010/main" val="2882392281"/>
       </p:ext>
     </p:extLst>
   </p:cSld>
@@ -4902,7 +5573,7 @@
 </file>
 
 <file path=ppt/slides/slide8.xml><?xml version="1.0" encoding="utf-8"?>
-<p:sld xmlns:a="http://schemas.openxmlformats.org/drawingml/2006/main" xmlns:r="http://schemas.openxmlformats.org/officeDocument/2006/relationships" xmlns:p="http://schemas.openxmlformats.org/presentationml/2006/main" show="0">
+<p:sld xmlns:a="http://schemas.openxmlformats.org/drawingml/2006/main" xmlns:r="http://schemas.openxmlformats.org/officeDocument/2006/relationships" xmlns:p="http://schemas.openxmlformats.org/presentationml/2006/main">
   <p:cSld>
     <p:spTree>
       <p:nvGrpSpPr>
@@ -4934,39 +5605,71 @@
           <a:lstStyle/>
           <a:p>
             <a:r>
-              <a:rPr lang="en-US" dirty="0"/>
-              <a:t>Log in</a:t>
-            </a:r>
-          </a:p>
-        </p:txBody>
-      </p:sp>
-      <p:pic>
-        <p:nvPicPr>
-          <p:cNvPr id="4" name="Content Placeholder 3"/>
-          <p:cNvPicPr>
-            <a:picLocks noGrp="1" noChangeAspect="1"/>
-          </p:cNvPicPr>
+              <a:rPr lang="en-US" dirty="0" err="1"/>
+              <a:t>Verbleibendes</a:t>
+            </a:r>
+            <a:r>
+              <a:rPr lang="en-US" dirty="0"/>
+              <a:t> Potential</a:t>
+            </a:r>
+          </a:p>
+        </p:txBody>
+      </p:sp>
+      <p:sp>
+        <p:nvSpPr>
+          <p:cNvPr id="3" name="Content Placeholder 2"/>
+          <p:cNvSpPr>
+            <a:spLocks noGrp="1"/>
+          </p:cNvSpPr>
           <p:nvPr>
             <p:ph idx="1"/>
           </p:nvPr>
-        </p:nvPicPr>
-        <p:blipFill>
-          <a:blip r:embed="rId2"/>
-          <a:stretch>
-            <a:fillRect/>
-          </a:stretch>
-        </p:blipFill>
-        <p:spPr>
-          <a:xfrm>
-            <a:off x="1145740" y="2171700"/>
-            <a:ext cx="10955436" cy="4402394"/>
-          </a:xfrm>
-        </p:spPr>
-      </p:pic>
+        </p:nvSpPr>
+        <p:spPr/>
+        <p:txBody>
+          <a:bodyPr/>
+          <a:lstStyle/>
+          <a:p>
+            <a:r>
+              <a:rPr lang="en-US" dirty="0"/>
+              <a:t>GUI </a:t>
+            </a:r>
+          </a:p>
+          <a:p>
+            <a:r>
+              <a:rPr lang="en-US" dirty="0"/>
+              <a:t>Testing </a:t>
+            </a:r>
+            <a:r>
+              <a:rPr lang="en-US" dirty="0" err="1"/>
+              <a:t>für</a:t>
+            </a:r>
+            <a:r>
+              <a:rPr lang="en-US" dirty="0"/>
+              <a:t> </a:t>
+            </a:r>
+            <a:r>
+              <a:rPr lang="en-US" dirty="0" err="1"/>
+              <a:t>Fehler</a:t>
+            </a:r>
+            <a:endParaRPr lang="en-US" dirty="0"/>
+          </a:p>
+          <a:p>
+            <a:r>
+              <a:rPr lang="en-US" dirty="0" err="1"/>
+              <a:t>Besseres</a:t>
+            </a:r>
+            <a:r>
+              <a:rPr lang="en-US" dirty="0"/>
+              <a:t> Logging</a:t>
+            </a:r>
+          </a:p>
+        </p:txBody>
+      </p:sp>
     </p:spTree>
     <p:extLst>
       <p:ext uri="{BB962C8B-B14F-4D97-AF65-F5344CB8AC3E}">
-        <p14:creationId xmlns:p14="http://schemas.microsoft.com/office/powerpoint/2010/main" val="717621399"/>
+        <p14:creationId xmlns:p14="http://schemas.microsoft.com/office/powerpoint/2010/main" val="1988315661"/>
       </p:ext>
     </p:extLst>
   </p:cSld>
@@ -4977,7 +5680,7 @@
 </file>
 
 <file path=ppt/slides/slide9.xml><?xml version="1.0" encoding="utf-8"?>
-<p:sld xmlns:a="http://schemas.openxmlformats.org/drawingml/2006/main" xmlns:r="http://schemas.openxmlformats.org/officeDocument/2006/relationships" xmlns:p="http://schemas.openxmlformats.org/presentationml/2006/main" show="0">
+<p:sld xmlns:a="http://schemas.openxmlformats.org/drawingml/2006/main" xmlns:r="http://schemas.openxmlformats.org/officeDocument/2006/relationships" xmlns:p="http://schemas.openxmlformats.org/presentationml/2006/main">
   <p:cSld>
     <p:spTree>
       <p:nvGrpSpPr>
@@ -5010,43 +5713,43 @@
           <a:p>
             <a:r>
               <a:rPr lang="en-US" dirty="0"/>
-              <a:t>User </a:t>
-            </a:r>
-            <a:r>
-              <a:rPr lang="en-US" dirty="0" err="1"/>
-              <a:t>erstellen</a:t>
-            </a:r>
-            <a:endParaRPr lang="en-US" dirty="0"/>
-          </a:p>
-        </p:txBody>
-      </p:sp>
-      <p:pic>
-        <p:nvPicPr>
-          <p:cNvPr id="4" name="Content Placeholder 3"/>
-          <p:cNvPicPr>
-            <a:picLocks noGrp="1" noChangeAspect="1"/>
-          </p:cNvPicPr>
+              <a:t>Demo</a:t>
+            </a:r>
+          </a:p>
+        </p:txBody>
+      </p:sp>
+      <p:sp>
+        <p:nvSpPr>
+          <p:cNvPr id="3" name="Content Placeholder 2"/>
+          <p:cNvSpPr>
+            <a:spLocks noGrp="1"/>
+          </p:cNvSpPr>
           <p:nvPr>
             <p:ph idx="1"/>
           </p:nvPr>
-        </p:nvPicPr>
-        <p:blipFill>
-          <a:blip r:embed="rId2"/>
-          <a:stretch>
-            <a:fillRect/>
-          </a:stretch>
-        </p:blipFill>
-        <p:spPr>
-          <a:xfrm>
-            <a:off x="1716011" y="2286000"/>
-            <a:ext cx="8912378" cy="3581400"/>
-          </a:xfrm>
-        </p:spPr>
-      </p:pic>
+        </p:nvSpPr>
+        <p:spPr/>
+        <p:txBody>
+          <a:bodyPr/>
+          <a:lstStyle/>
+          <a:p>
+            <a:r>
+              <a:rPr lang="en-US" dirty="0">
+                <a:hlinkClick r:id="rId2"/>
+              </a:rPr>
+              <a:t>https://www.cs.technik.fhnw.ch/wodss17-6/index.html</a:t>
+            </a:r>
+            <a:r>
+              <a:rPr lang="en-US" dirty="0"/>
+              <a:t> </a:t>
+            </a:r>
+          </a:p>
+        </p:txBody>
+      </p:sp>
     </p:spTree>
     <p:extLst>
       <p:ext uri="{BB962C8B-B14F-4D97-AF65-F5344CB8AC3E}">
-        <p14:creationId xmlns:p14="http://schemas.microsoft.com/office/powerpoint/2010/main" val="41095348"/>
+        <p14:creationId xmlns:p14="http://schemas.microsoft.com/office/powerpoint/2010/main" val="625221645"/>
       </p:ext>
     </p:extLst>
   </p:cSld>
